--- a/Ace/Document/DBアプリ仕様.pptx
+++ b/Ace/Document/DBアプリ仕様.pptx
@@ -8,6 +8,9 @@
     <p:sldId id="256" r:id="rId2"/>
     <p:sldId id="257" r:id="rId3"/>
     <p:sldId id="258" r:id="rId4"/>
+    <p:sldId id="259" r:id="rId5"/>
+    <p:sldId id="260" r:id="rId6"/>
+    <p:sldId id="261" r:id="rId7"/>
   </p:sldIdLst>
   <p:sldSz cx="9144000" cy="6858000" type="screen4x3"/>
   <p:notesSz cx="6858000" cy="9144000"/>
@@ -106,6 +109,11 @@
       </a:defRPr>
     </a:lvl9pPr>
   </p:defaultTextStyle>
+  <p:extLst>
+    <p:ext uri="{EFAFB233-063F-42B5-8137-9DF3F51BA10A}">
+      <p15:sldGuideLst xmlns:p15="http://schemas.microsoft.com/office/powerpoint/2012/main"/>
+    </p:ext>
+  </p:extLst>
 </p:presentation>
 </file>
 
@@ -3704,9 +3712,13 @@
             <a:pPr lvl="2"/>
             <a:r>
               <a:rPr kumimoji="1" lang="ja-JP" altLang="en-US" dirty="0" smtClean="0"/>
-              <a:t>ランキング上位に入ってエースになろう！</a:t>
-            </a:r>
-            <a:endParaRPr kumimoji="1" lang="en-US" altLang="ja-JP" smtClean="0"/>
+              <a:t>ランキング上位に入ってエースになろう</a:t>
+            </a:r>
+            <a:r>
+              <a:rPr kumimoji="1" lang="ja-JP" altLang="en-US" dirty="0" smtClean="0"/>
+              <a:t>！</a:t>
+            </a:r>
+            <a:endParaRPr kumimoji="1" lang="en-US" altLang="ja-JP" dirty="0" smtClean="0"/>
           </a:p>
           <a:p>
             <a:pPr lvl="2"/>
@@ -3718,6 +3730,352 @@
     <p:extLst>
       <p:ext uri="{BB962C8B-B14F-4D97-AF65-F5344CB8AC3E}">
         <p14:creationId xmlns:p14="http://schemas.microsoft.com/office/powerpoint/2010/main" val="2016842815"/>
+      </p:ext>
+    </p:extLst>
+  </p:cSld>
+  <p:clrMapOvr>
+    <a:masterClrMapping/>
+  </p:clrMapOvr>
+</p:sld>
+</file>
+
+<file path=ppt/slides/slide4.xml><?xml version="1.0" encoding="utf-8"?>
+<p:sld xmlns:a="http://schemas.openxmlformats.org/drawingml/2006/main" xmlns:r="http://schemas.openxmlformats.org/officeDocument/2006/relationships" xmlns:p="http://schemas.openxmlformats.org/presentationml/2006/main">
+  <p:cSld>
+    <p:spTree>
+      <p:nvGrpSpPr>
+        <p:cNvPr id="1" name=""/>
+        <p:cNvGrpSpPr/>
+        <p:nvPr/>
+      </p:nvGrpSpPr>
+      <p:grpSpPr>
+        <a:xfrm>
+          <a:off x="0" y="0"/>
+          <a:ext cx="0" cy="0"/>
+          <a:chOff x="0" y="0"/>
+          <a:chExt cx="0" cy="0"/>
+        </a:xfrm>
+      </p:grpSpPr>
+      <p:sp>
+        <p:nvSpPr>
+          <p:cNvPr id="2" name="タイトル 1"/>
+          <p:cNvSpPr>
+            <a:spLocks noGrp="1"/>
+          </p:cNvSpPr>
+          <p:nvPr>
+            <p:ph type="title"/>
+          </p:nvPr>
+        </p:nvSpPr>
+        <p:spPr/>
+        <p:txBody>
+          <a:bodyPr/>
+          <a:lstStyle/>
+          <a:p>
+            <a:r>
+              <a:rPr kumimoji="1" lang="en-US" altLang="ja-JP" dirty="0" smtClean="0"/>
+              <a:t>DB</a:t>
+            </a:r>
+            <a:r>
+              <a:rPr kumimoji="1" lang="ja-JP" altLang="en-US" dirty="0" smtClean="0"/>
+              <a:t>による機能</a:t>
+            </a:r>
+            <a:endParaRPr kumimoji="1" lang="ja-JP" altLang="en-US" dirty="0"/>
+          </a:p>
+        </p:txBody>
+      </p:sp>
+      <p:sp>
+        <p:nvSpPr>
+          <p:cNvPr id="3" name="コンテンツ プレースホルダー 2"/>
+          <p:cNvSpPr>
+            <a:spLocks noGrp="1"/>
+          </p:cNvSpPr>
+          <p:nvPr>
+            <p:ph idx="1"/>
+          </p:nvPr>
+        </p:nvSpPr>
+        <p:spPr/>
+        <p:txBody>
+          <a:bodyPr>
+            <a:normAutofit/>
+          </a:bodyPr>
+          <a:lstStyle/>
+          <a:p>
+            <a:r>
+              <a:rPr kumimoji="1" lang="ja-JP" altLang="en-US" dirty="0" smtClean="0"/>
+              <a:t>ランキング機能</a:t>
+            </a:r>
+            <a:endParaRPr kumimoji="1" lang="en-US" altLang="ja-JP" dirty="0" smtClean="0"/>
+          </a:p>
+          <a:p>
+            <a:pPr lvl="1"/>
+            <a:r>
+              <a:rPr lang="ja-JP" altLang="en-US" dirty="0"/>
+              <a:t>いま</a:t>
+            </a:r>
+            <a:r>
+              <a:rPr lang="ja-JP" altLang="en-US" dirty="0" smtClean="0"/>
+              <a:t>までに行ったパズルの記録での</a:t>
+            </a:r>
+            <a:r>
+              <a:rPr lang="en-US" altLang="ja-JP" dirty="0" smtClean="0"/>
+              <a:t/>
+            </a:r>
+            <a:br>
+              <a:rPr lang="en-US" altLang="ja-JP" dirty="0" smtClean="0"/>
+            </a:br>
+            <a:r>
+              <a:rPr lang="ja-JP" altLang="en-US" dirty="0" smtClean="0"/>
+              <a:t>タイム：揃うまでにかかった時間</a:t>
+            </a:r>
+            <a:r>
+              <a:rPr lang="en-US" altLang="ja-JP" dirty="0" smtClean="0"/>
+              <a:t/>
+            </a:r>
+            <a:br>
+              <a:rPr lang="en-US" altLang="ja-JP" dirty="0" smtClean="0"/>
+            </a:br>
+            <a:r>
+              <a:rPr lang="ja-JP" altLang="en-US" dirty="0" smtClean="0"/>
+              <a:t>　手数：揃うまでに駒を動かした回数</a:t>
+            </a:r>
+            <a:r>
+              <a:rPr lang="en-US" altLang="ja-JP" dirty="0" smtClean="0"/>
+              <a:t/>
+            </a:r>
+            <a:br>
+              <a:rPr lang="en-US" altLang="ja-JP" dirty="0" smtClean="0"/>
+            </a:br>
+            <a:r>
+              <a:rPr lang="ja-JP" altLang="en-US" dirty="0" smtClean="0"/>
+              <a:t>の項目で良い成績順にランキングが見れる</a:t>
+            </a:r>
+            <a:endParaRPr kumimoji="1" lang="en-US" altLang="ja-JP" dirty="0" smtClean="0"/>
+          </a:p>
+          <a:p>
+            <a:r>
+              <a:rPr lang="ja-JP" altLang="en-US" dirty="0"/>
+              <a:t>統計</a:t>
+            </a:r>
+            <a:r>
+              <a:rPr lang="ja-JP" altLang="en-US" dirty="0" smtClean="0"/>
+              <a:t>機能</a:t>
+            </a:r>
+            <a:endParaRPr lang="en-US" altLang="ja-JP" dirty="0" smtClean="0"/>
+          </a:p>
+          <a:p>
+            <a:pPr lvl="1"/>
+            <a:r>
+              <a:rPr lang="ja-JP" altLang="en-US" dirty="0" smtClean="0"/>
+              <a:t>自分が今までやってきたパズルの記録で</a:t>
+            </a:r>
+            <a:r>
+              <a:rPr lang="en-US" altLang="ja-JP" dirty="0"/>
+              <a:t/>
+            </a:r>
+            <a:br>
+              <a:rPr lang="en-US" altLang="ja-JP" dirty="0"/>
+            </a:br>
+            <a:r>
+              <a:rPr lang="en-US" altLang="ja-JP" dirty="0" smtClean="0"/>
+              <a:t>	</a:t>
+            </a:r>
+            <a:r>
+              <a:rPr lang="ja-JP" altLang="en-US" dirty="0" smtClean="0"/>
+              <a:t>平均値はどのくらいなのか</a:t>
+            </a:r>
+            <a:r>
+              <a:rPr lang="en-US" altLang="ja-JP" dirty="0"/>
+              <a:t/>
+            </a:r>
+            <a:br>
+              <a:rPr lang="en-US" altLang="ja-JP" dirty="0"/>
+            </a:br>
+            <a:r>
+              <a:rPr lang="en-US" altLang="ja-JP" dirty="0" smtClean="0"/>
+              <a:t>	</a:t>
+            </a:r>
+            <a:r>
+              <a:rPr lang="ja-JP" altLang="en-US" dirty="0" smtClean="0"/>
+              <a:t>好記録だったときの数値はいくつか</a:t>
+            </a:r>
+            <a:r>
+              <a:rPr lang="en-US" altLang="ja-JP" dirty="0"/>
+              <a:t/>
+            </a:r>
+            <a:br>
+              <a:rPr lang="en-US" altLang="ja-JP" dirty="0"/>
+            </a:br>
+            <a:r>
+              <a:rPr lang="en-US" altLang="ja-JP" dirty="0" smtClean="0"/>
+              <a:t>	</a:t>
+            </a:r>
+            <a:r>
+              <a:rPr lang="ja-JP" altLang="en-US" dirty="0" smtClean="0"/>
+              <a:t>記録がどのように推移してきたか</a:t>
+            </a:r>
+            <a:r>
+              <a:rPr lang="en-US" altLang="ja-JP" dirty="0" smtClean="0"/>
+              <a:t/>
+            </a:r>
+            <a:br>
+              <a:rPr lang="en-US" altLang="ja-JP" dirty="0" smtClean="0"/>
+            </a:br>
+            <a:r>
+              <a:rPr lang="ja-JP" altLang="en-US" dirty="0" smtClean="0"/>
+              <a:t>を見ることができる。</a:t>
+            </a:r>
+            <a:endParaRPr lang="en-US" altLang="ja-JP" dirty="0" smtClean="0"/>
+          </a:p>
+        </p:txBody>
+      </p:sp>
+    </p:spTree>
+    <p:extLst>
+      <p:ext uri="{BB962C8B-B14F-4D97-AF65-F5344CB8AC3E}">
+        <p14:creationId xmlns:p14="http://schemas.microsoft.com/office/powerpoint/2010/main" val="675111375"/>
+      </p:ext>
+    </p:extLst>
+  </p:cSld>
+  <p:clrMapOvr>
+    <a:masterClrMapping/>
+  </p:clrMapOvr>
+</p:sld>
+</file>
+
+<file path=ppt/slides/slide5.xml><?xml version="1.0" encoding="utf-8"?>
+<p:sld xmlns:a="http://schemas.openxmlformats.org/drawingml/2006/main" xmlns:r="http://schemas.openxmlformats.org/officeDocument/2006/relationships" xmlns:p="http://schemas.openxmlformats.org/presentationml/2006/main">
+  <p:cSld>
+    <p:spTree>
+      <p:nvGrpSpPr>
+        <p:cNvPr id="1" name=""/>
+        <p:cNvGrpSpPr/>
+        <p:nvPr/>
+      </p:nvGrpSpPr>
+      <p:grpSpPr>
+        <a:xfrm>
+          <a:off x="0" y="0"/>
+          <a:ext cx="0" cy="0"/>
+          <a:chOff x="0" y="0"/>
+          <a:chExt cx="0" cy="0"/>
+        </a:xfrm>
+      </p:grpSpPr>
+      <p:sp>
+        <p:nvSpPr>
+          <p:cNvPr id="2" name="タイトル 1"/>
+          <p:cNvSpPr>
+            <a:spLocks noGrp="1"/>
+          </p:cNvSpPr>
+          <p:nvPr>
+            <p:ph type="title"/>
+          </p:nvPr>
+        </p:nvSpPr>
+        <p:spPr/>
+        <p:txBody>
+          <a:bodyPr/>
+          <a:lstStyle/>
+          <a:p>
+            <a:r>
+              <a:rPr kumimoji="1" lang="ja-JP" altLang="en-US" dirty="0" smtClean="0"/>
+              <a:t>苦労したこと</a:t>
+            </a:r>
+            <a:endParaRPr kumimoji="1" lang="ja-JP" altLang="en-US" dirty="0"/>
+          </a:p>
+        </p:txBody>
+      </p:sp>
+      <p:sp>
+        <p:nvSpPr>
+          <p:cNvPr id="3" name="コンテンツ プレースホルダー 2"/>
+          <p:cNvSpPr>
+            <a:spLocks noGrp="1"/>
+          </p:cNvSpPr>
+          <p:nvPr>
+            <p:ph idx="1"/>
+          </p:nvPr>
+        </p:nvSpPr>
+        <p:spPr/>
+        <p:txBody>
+          <a:bodyPr/>
+          <a:lstStyle/>
+          <a:p>
+            <a:endParaRPr kumimoji="1" lang="ja-JP" altLang="en-US"/>
+          </a:p>
+        </p:txBody>
+      </p:sp>
+    </p:spTree>
+    <p:extLst>
+      <p:ext uri="{BB962C8B-B14F-4D97-AF65-F5344CB8AC3E}">
+        <p14:creationId xmlns:p14="http://schemas.microsoft.com/office/powerpoint/2010/main" val="3810325323"/>
+      </p:ext>
+    </p:extLst>
+  </p:cSld>
+  <p:clrMapOvr>
+    <a:masterClrMapping/>
+  </p:clrMapOvr>
+</p:sld>
+</file>
+
+<file path=ppt/slides/slide6.xml><?xml version="1.0" encoding="utf-8"?>
+<p:sld xmlns:a="http://schemas.openxmlformats.org/drawingml/2006/main" xmlns:r="http://schemas.openxmlformats.org/officeDocument/2006/relationships" xmlns:p="http://schemas.openxmlformats.org/presentationml/2006/main">
+  <p:cSld>
+    <p:spTree>
+      <p:nvGrpSpPr>
+        <p:cNvPr id="1" name=""/>
+        <p:cNvGrpSpPr/>
+        <p:nvPr/>
+      </p:nvGrpSpPr>
+      <p:grpSpPr>
+        <a:xfrm>
+          <a:off x="0" y="0"/>
+          <a:ext cx="0" cy="0"/>
+          <a:chOff x="0" y="0"/>
+          <a:chExt cx="0" cy="0"/>
+        </a:xfrm>
+      </p:grpSpPr>
+      <p:sp>
+        <p:nvSpPr>
+          <p:cNvPr id="2" name="タイトル 1"/>
+          <p:cNvSpPr>
+            <a:spLocks noGrp="1"/>
+          </p:cNvSpPr>
+          <p:nvPr>
+            <p:ph type="title"/>
+          </p:nvPr>
+        </p:nvSpPr>
+        <p:spPr/>
+        <p:txBody>
+          <a:bodyPr/>
+          <a:lstStyle/>
+          <a:p>
+            <a:r>
+              <a:rPr kumimoji="1" lang="ja-JP" altLang="en-US" dirty="0" smtClean="0"/>
+              <a:t>工夫したこと</a:t>
+            </a:r>
+            <a:endParaRPr kumimoji="1" lang="ja-JP" altLang="en-US" dirty="0"/>
+          </a:p>
+        </p:txBody>
+      </p:sp>
+      <p:sp>
+        <p:nvSpPr>
+          <p:cNvPr id="3" name="コンテンツ プレースホルダー 2"/>
+          <p:cNvSpPr>
+            <a:spLocks noGrp="1"/>
+          </p:cNvSpPr>
+          <p:nvPr>
+            <p:ph idx="1"/>
+          </p:nvPr>
+        </p:nvSpPr>
+        <p:spPr/>
+        <p:txBody>
+          <a:bodyPr/>
+          <a:lstStyle/>
+          <a:p>
+            <a:endParaRPr kumimoji="1" lang="ja-JP" altLang="en-US"/>
+          </a:p>
+        </p:txBody>
+      </p:sp>
+    </p:spTree>
+    <p:extLst>
+      <p:ext uri="{BB962C8B-B14F-4D97-AF65-F5344CB8AC3E}">
+        <p14:creationId xmlns:p14="http://schemas.microsoft.com/office/powerpoint/2010/main" val="3139870774"/>
       </p:ext>
     </p:extLst>
   </p:cSld>

--- a/Ace/Document/DBアプリ仕様.pptx
+++ b/Ace/Document/DBアプリ仕様.pptx
@@ -248,7 +248,7 @@
           <a:p>
             <a:fld id="{29FBD565-AFE4-4814-ABF1-720C6BF6CB66}" type="datetimeFigureOut">
               <a:rPr kumimoji="1" lang="ja-JP" altLang="en-US" smtClean="0"/>
-              <a:t>2021/11/26</a:t>
+              <a:t>2021/12/17</a:t>
             </a:fld>
             <a:endParaRPr kumimoji="1" lang="ja-JP" altLang="en-US"/>
           </a:p>
@@ -450,7 +450,7 @@
           <a:p>
             <a:fld id="{29FBD565-AFE4-4814-ABF1-720C6BF6CB66}" type="datetimeFigureOut">
               <a:rPr kumimoji="1" lang="ja-JP" altLang="en-US" smtClean="0"/>
-              <a:t>2021/11/26</a:t>
+              <a:t>2021/12/17</a:t>
             </a:fld>
             <a:endParaRPr kumimoji="1" lang="ja-JP" altLang="en-US"/>
           </a:p>
@@ -662,7 +662,7 @@
           <a:p>
             <a:fld id="{29FBD565-AFE4-4814-ABF1-720C6BF6CB66}" type="datetimeFigureOut">
               <a:rPr kumimoji="1" lang="ja-JP" altLang="en-US" smtClean="0"/>
-              <a:t>2021/11/26</a:t>
+              <a:t>2021/12/17</a:t>
             </a:fld>
             <a:endParaRPr kumimoji="1" lang="ja-JP" altLang="en-US"/>
           </a:p>
@@ -864,7 +864,7 @@
           <a:p>
             <a:fld id="{29FBD565-AFE4-4814-ABF1-720C6BF6CB66}" type="datetimeFigureOut">
               <a:rPr kumimoji="1" lang="ja-JP" altLang="en-US" smtClean="0"/>
-              <a:t>2021/11/26</a:t>
+              <a:t>2021/12/17</a:t>
             </a:fld>
             <a:endParaRPr kumimoji="1" lang="ja-JP" altLang="en-US"/>
           </a:p>
@@ -1108,7 +1108,7 @@
           <a:p>
             <a:fld id="{29FBD565-AFE4-4814-ABF1-720C6BF6CB66}" type="datetimeFigureOut">
               <a:rPr kumimoji="1" lang="ja-JP" altLang="en-US" smtClean="0"/>
-              <a:t>2021/11/26</a:t>
+              <a:t>2021/12/17</a:t>
             </a:fld>
             <a:endParaRPr kumimoji="1" lang="ja-JP" altLang="en-US"/>
           </a:p>
@@ -1404,7 +1404,7 @@
           <a:p>
             <a:fld id="{29FBD565-AFE4-4814-ABF1-720C6BF6CB66}" type="datetimeFigureOut">
               <a:rPr kumimoji="1" lang="ja-JP" altLang="en-US" smtClean="0"/>
-              <a:t>2021/11/26</a:t>
+              <a:t>2021/12/17</a:t>
             </a:fld>
             <a:endParaRPr kumimoji="1" lang="ja-JP" altLang="en-US"/>
           </a:p>
@@ -1835,7 +1835,7 @@
           <a:p>
             <a:fld id="{29FBD565-AFE4-4814-ABF1-720C6BF6CB66}" type="datetimeFigureOut">
               <a:rPr kumimoji="1" lang="ja-JP" altLang="en-US" smtClean="0"/>
-              <a:t>2021/11/26</a:t>
+              <a:t>2021/12/17</a:t>
             </a:fld>
             <a:endParaRPr kumimoji="1" lang="ja-JP" altLang="en-US"/>
           </a:p>
@@ -1953,7 +1953,7 @@
           <a:p>
             <a:fld id="{29FBD565-AFE4-4814-ABF1-720C6BF6CB66}" type="datetimeFigureOut">
               <a:rPr kumimoji="1" lang="ja-JP" altLang="en-US" smtClean="0"/>
-              <a:t>2021/11/26</a:t>
+              <a:t>2021/12/17</a:t>
             </a:fld>
             <a:endParaRPr kumimoji="1" lang="ja-JP" altLang="en-US"/>
           </a:p>
@@ -2048,7 +2048,7 @@
           <a:p>
             <a:fld id="{29FBD565-AFE4-4814-ABF1-720C6BF6CB66}" type="datetimeFigureOut">
               <a:rPr kumimoji="1" lang="ja-JP" altLang="en-US" smtClean="0"/>
-              <a:t>2021/11/26</a:t>
+              <a:t>2021/12/17</a:t>
             </a:fld>
             <a:endParaRPr kumimoji="1" lang="ja-JP" altLang="en-US"/>
           </a:p>
@@ -2357,7 +2357,7 @@
           <a:p>
             <a:fld id="{29FBD565-AFE4-4814-ABF1-720C6BF6CB66}" type="datetimeFigureOut">
               <a:rPr kumimoji="1" lang="ja-JP" altLang="en-US" smtClean="0"/>
-              <a:t>2021/11/26</a:t>
+              <a:t>2021/12/17</a:t>
             </a:fld>
             <a:endParaRPr kumimoji="1" lang="ja-JP" altLang="en-US"/>
           </a:p>
@@ -2614,7 +2614,7 @@
           <a:p>
             <a:fld id="{29FBD565-AFE4-4814-ABF1-720C6BF6CB66}" type="datetimeFigureOut">
               <a:rPr kumimoji="1" lang="ja-JP" altLang="en-US" smtClean="0"/>
-              <a:t>2021/11/26</a:t>
+              <a:t>2021/12/17</a:t>
             </a:fld>
             <a:endParaRPr kumimoji="1" lang="ja-JP" altLang="en-US"/>
           </a:p>
@@ -2859,7 +2859,7 @@
           <a:p>
             <a:fld id="{29FBD565-AFE4-4814-ABF1-720C6BF6CB66}" type="datetimeFigureOut">
               <a:rPr kumimoji="1" lang="ja-JP" altLang="en-US" smtClean="0"/>
-              <a:t>2021/11/26</a:t>
+              <a:t>2021/12/17</a:t>
             </a:fld>
             <a:endParaRPr kumimoji="1" lang="ja-JP" altLang="en-US"/>
           </a:p>
@@ -3712,11 +3712,7 @@
             <a:pPr lvl="2"/>
             <a:r>
               <a:rPr kumimoji="1" lang="ja-JP" altLang="en-US" dirty="0" smtClean="0"/>
-              <a:t>ランキング上位に入ってエースになろう</a:t>
-            </a:r>
-            <a:r>
-              <a:rPr kumimoji="1" lang="ja-JP" altLang="en-US" dirty="0" smtClean="0"/>
-              <a:t>！</a:t>
+              <a:t>ランキング上位に入ってエースになろう！</a:t>
             </a:r>
             <a:endParaRPr kumimoji="1" lang="en-US" altLang="ja-JP" dirty="0" smtClean="0"/>
           </a:p>
@@ -3993,10 +3989,136 @@
         </p:nvSpPr>
         <p:spPr/>
         <p:txBody>
-          <a:bodyPr/>
-          <a:lstStyle/>
-          <a:p>
-            <a:endParaRPr kumimoji="1" lang="ja-JP" altLang="en-US"/>
+          <a:bodyPr>
+            <a:normAutofit lnSpcReduction="10000"/>
+          </a:bodyPr>
+          <a:lstStyle/>
+          <a:p>
+            <a:r>
+              <a:rPr kumimoji="1" lang="ja-JP" altLang="en-US" dirty="0" smtClean="0"/>
+              <a:t>画面の描画</a:t>
+            </a:r>
+            <a:endParaRPr kumimoji="1" lang="en-US" altLang="ja-JP" dirty="0" smtClean="0"/>
+          </a:p>
+          <a:p>
+            <a:pPr lvl="1"/>
+            <a:r>
+              <a:rPr kumimoji="1" lang="ja-JP" altLang="en-US" dirty="0" smtClean="0"/>
+              <a:t>パズルの部分で駒を一度にたくさん動かそう</a:t>
+            </a:r>
+            <a:r>
+              <a:rPr kumimoji="1" lang="en-US" altLang="ja-JP" dirty="0" smtClean="0"/>
+              <a:t/>
+            </a:r>
+            <a:br>
+              <a:rPr kumimoji="1" lang="en-US" altLang="ja-JP" dirty="0" smtClean="0"/>
+            </a:br>
+            <a:r>
+              <a:rPr kumimoji="1" lang="ja-JP" altLang="en-US" dirty="0" smtClean="0"/>
+              <a:t>とすると処理落ちする。</a:t>
+            </a:r>
+            <a:endParaRPr kumimoji="1" lang="en-US" altLang="ja-JP" dirty="0" smtClean="0"/>
+          </a:p>
+          <a:p>
+            <a:pPr lvl="2"/>
+            <a:r>
+              <a:rPr lang="en-US" altLang="ja-JP" dirty="0" err="1" smtClean="0"/>
+              <a:t>SurfaceView</a:t>
+            </a:r>
+            <a:r>
+              <a:rPr lang="ja-JP" altLang="en-US" dirty="0" smtClean="0"/>
+              <a:t>を使い別スレッドで描画するようにした。</a:t>
+            </a:r>
+            <a:endParaRPr kumimoji="1" lang="en-US" altLang="ja-JP" dirty="0" smtClean="0"/>
+          </a:p>
+          <a:p>
+            <a:r>
+              <a:rPr kumimoji="1" lang="en-US" altLang="ja-JP" dirty="0" smtClean="0"/>
+              <a:t>SQLite</a:t>
+            </a:r>
+            <a:r>
+              <a:rPr kumimoji="1" lang="ja-JP" altLang="en-US" dirty="0" smtClean="0"/>
+              <a:t>の部分</a:t>
+            </a:r>
+            <a:endParaRPr kumimoji="1" lang="en-US" altLang="ja-JP" dirty="0" smtClean="0"/>
+          </a:p>
+          <a:p>
+            <a:pPr lvl="1"/>
+            <a:r>
+              <a:rPr kumimoji="1" lang="ja-JP" altLang="en-US" dirty="0" smtClean="0"/>
+              <a:t>クエリをどのクラス、メソッドで発行するのか</a:t>
+            </a:r>
+            <a:r>
+              <a:rPr kumimoji="1" lang="en-US" altLang="ja-JP" dirty="0" smtClean="0"/>
+              <a:t/>
+            </a:r>
+            <a:br>
+              <a:rPr kumimoji="1" lang="en-US" altLang="ja-JP" dirty="0" smtClean="0"/>
+            </a:br>
+            <a:r>
+              <a:rPr kumimoji="1" lang="ja-JP" altLang="en-US" dirty="0" smtClean="0"/>
+              <a:t>考えるのに苦労した。</a:t>
+            </a:r>
+            <a:endParaRPr kumimoji="1" lang="en-US" altLang="ja-JP" dirty="0" smtClean="0"/>
+          </a:p>
+          <a:p>
+            <a:pPr lvl="2"/>
+            <a:r>
+              <a:rPr lang="en-US" altLang="ja-JP" dirty="0" smtClean="0"/>
+              <a:t>Table</a:t>
+            </a:r>
+            <a:r>
+              <a:rPr lang="ja-JP" altLang="en-US" dirty="0" smtClean="0"/>
+              <a:t>の</a:t>
+            </a:r>
+            <a:r>
+              <a:rPr lang="en-US" altLang="ja-JP" dirty="0" smtClean="0"/>
+              <a:t>Record</a:t>
+            </a:r>
+            <a:r>
+              <a:rPr lang="ja-JP" altLang="en-US" dirty="0" smtClean="0"/>
+              <a:t>を格納するクラスの中に</a:t>
+            </a:r>
+            <a:r>
+              <a:rPr lang="en-US" altLang="ja-JP" dirty="0" smtClean="0"/>
+              <a:t>Query</a:t>
+            </a:r>
+            <a:r>
+              <a:rPr lang="ja-JP" altLang="en-US" dirty="0" smtClean="0"/>
+              <a:t>クラスを作ってそこでクエリ発行→インスタンス作成をした。</a:t>
+            </a:r>
+            <a:endParaRPr kumimoji="1" lang="en-US" altLang="ja-JP" dirty="0" smtClean="0"/>
+          </a:p>
+          <a:p>
+            <a:r>
+              <a:rPr lang="en-US" altLang="ja-JP" dirty="0" err="1" smtClean="0"/>
+              <a:t>ListView</a:t>
+            </a:r>
+            <a:r>
+              <a:rPr lang="ja-JP" altLang="en-US" dirty="0" smtClean="0"/>
+              <a:t>の部分</a:t>
+            </a:r>
+            <a:endParaRPr lang="en-US" altLang="ja-JP" dirty="0" smtClean="0"/>
+          </a:p>
+          <a:p>
+            <a:pPr lvl="1"/>
+            <a:r>
+              <a:rPr kumimoji="1" lang="en-US" altLang="ja-JP" dirty="0" smtClean="0"/>
+              <a:t>Adapter</a:t>
+            </a:r>
+            <a:r>
+              <a:rPr lang="ja-JP" altLang="en-US" smtClean="0"/>
+              <a:t>の作成が</a:t>
+            </a:r>
+            <a:r>
+              <a:rPr kumimoji="1" lang="en-US" altLang="ja-JP" smtClean="0"/>
+              <a:t>Activity</a:t>
+            </a:r>
+            <a:r>
+              <a:rPr lang="ja-JP" altLang="en-US" dirty="0" smtClean="0"/>
+              <a:t>を作る程度の作業量があり、時間がかかった。</a:t>
+            </a:r>
+            <a:endParaRPr kumimoji="1" lang="ja-JP" altLang="en-US" dirty="0"/>
           </a:p>
         </p:txBody>
       </p:sp>
@@ -4068,7 +4190,103 @@
           <a:bodyPr/>
           <a:lstStyle/>
           <a:p>
-            <a:endParaRPr kumimoji="1" lang="ja-JP" altLang="en-US"/>
+            <a:r>
+              <a:rPr kumimoji="1" lang="ja-JP" altLang="en-US" dirty="0" smtClean="0"/>
+              <a:t>駒の動かしかた</a:t>
+            </a:r>
+            <a:endParaRPr kumimoji="1" lang="en-US" altLang="ja-JP" dirty="0" smtClean="0"/>
+          </a:p>
+          <a:p>
+            <a:pPr lvl="1"/>
+            <a:r>
+              <a:rPr lang="ja-JP" altLang="en-US" dirty="0" smtClean="0"/>
+              <a:t>動かしたい駒をタッチするだけではなく、</a:t>
+            </a:r>
+            <a:r>
+              <a:rPr lang="en-US" altLang="ja-JP" dirty="0" smtClean="0"/>
+              <a:t/>
+            </a:r>
+            <a:br>
+              <a:rPr lang="en-US" altLang="ja-JP" dirty="0" smtClean="0"/>
+            </a:br>
+            <a:r>
+              <a:rPr lang="ja-JP" altLang="en-US" dirty="0" smtClean="0"/>
+              <a:t>なぞりながら触れるだけで移動できる。</a:t>
+            </a:r>
+            <a:endParaRPr lang="en-US" altLang="ja-JP" dirty="0" smtClean="0"/>
+          </a:p>
+          <a:p>
+            <a:r>
+              <a:rPr lang="ja-JP" altLang="en-US" dirty="0"/>
+              <a:t>駒の</a:t>
+            </a:r>
+            <a:r>
+              <a:rPr lang="ja-JP" altLang="en-US" dirty="0" smtClean="0"/>
+              <a:t>グラフィック</a:t>
+            </a:r>
+            <a:endParaRPr lang="en-US" altLang="ja-JP" dirty="0" smtClean="0"/>
+          </a:p>
+          <a:p>
+            <a:pPr lvl="1"/>
+            <a:r>
+              <a:rPr lang="ja-JP" altLang="en-US" dirty="0" smtClean="0"/>
+              <a:t>数字を１つ１つペイントソフトで</a:t>
+            </a:r>
+            <a:r>
+              <a:rPr lang="en-US" altLang="ja-JP" dirty="0" smtClean="0"/>
+              <a:t/>
+            </a:r>
+            <a:br>
+              <a:rPr lang="en-US" altLang="ja-JP" dirty="0" smtClean="0"/>
+            </a:br>
+            <a:r>
+              <a:rPr lang="ja-JP" altLang="en-US" dirty="0" smtClean="0"/>
+              <a:t>きれいなグラデーションになるように加工した。</a:t>
+            </a:r>
+            <a:endParaRPr lang="en-US" altLang="ja-JP" dirty="0" smtClean="0"/>
+          </a:p>
+          <a:p>
+            <a:r>
+              <a:rPr lang="ja-JP" altLang="en-US" dirty="0" smtClean="0"/>
+              <a:t>リアルタイム感</a:t>
+            </a:r>
+            <a:endParaRPr lang="en-US" altLang="ja-JP" dirty="0" smtClean="0"/>
+          </a:p>
+          <a:p>
+            <a:pPr lvl="1"/>
+            <a:r>
+              <a:rPr lang="ja-JP" altLang="en-US" dirty="0" smtClean="0"/>
+              <a:t>個人製作のパズルはクリアするまで</a:t>
+            </a:r>
+            <a:r>
+              <a:rPr lang="en-US" altLang="ja-JP" dirty="0" smtClean="0"/>
+              <a:t/>
+            </a:r>
+            <a:br>
+              <a:rPr lang="en-US" altLang="ja-JP" dirty="0" smtClean="0"/>
+            </a:br>
+            <a:r>
+              <a:rPr lang="ja-JP" altLang="en-US" dirty="0" smtClean="0"/>
+              <a:t>時間がわからなかったが、</a:t>
+            </a:r>
+            <a:r>
+              <a:rPr lang="en-US" altLang="ja-JP" dirty="0"/>
+              <a:t/>
+            </a:r>
+            <a:br>
+              <a:rPr lang="en-US" altLang="ja-JP" dirty="0"/>
+            </a:br>
+            <a:r>
+              <a:rPr lang="ja-JP" altLang="en-US" dirty="0" smtClean="0"/>
+              <a:t>パズル中の時間がリアルタイムで表示される。</a:t>
+            </a:r>
+            <a:endParaRPr lang="en-US" altLang="ja-JP" dirty="0" smtClean="0"/>
+          </a:p>
+          <a:p>
+            <a:pPr marL="0" indent="0">
+              <a:buNone/>
+            </a:pPr>
+            <a:endParaRPr lang="en-US" altLang="ja-JP" dirty="0" smtClean="0"/>
           </a:p>
         </p:txBody>
       </p:sp>
